--- a/final_report/2020_NLP_presentation.pptx
+++ b/final_report/2020_NLP_presentation.pptx
@@ -226,7 +226,7 @@
           <a:p>
             <a:fld id="{AFBDD53D-A0E0-9847-887E-3545D8F68E2F}" type="datetimeFigureOut">
               <a:rPr kumimoji="1" lang="zh-CN" altLang="en-US" smtClean="0"/>
-              <a:t>2020/7/25</a:t>
+              <a:t>2020/7/26</a:t>
             </a:fld>
             <a:endParaRPr kumimoji="1" lang="zh-CN" altLang="en-US"/>
           </a:p>
@@ -808,7 +808,7 @@
           <a:p>
             <a:fld id="{76969C88-B244-455D-A017-012B25B1ACDD}" type="datetimeFigureOut">
               <a:rPr lang="en-US" smtClean="0"/>
-              <a:t>7/25/20</a:t>
+              <a:t>7/26/20</a:t>
             </a:fld>
             <a:endParaRPr lang="en-US"/>
           </a:p>
@@ -1006,7 +1006,7 @@
           <a:p>
             <a:fld id="{76969C88-B244-455D-A017-012B25B1ACDD}" type="datetimeFigureOut">
               <a:rPr lang="en-US" smtClean="0"/>
-              <a:t>7/25/20</a:t>
+              <a:t>7/26/20</a:t>
             </a:fld>
             <a:endParaRPr lang="en-US"/>
           </a:p>
@@ -1214,7 +1214,7 @@
           <a:p>
             <a:fld id="{76969C88-B244-455D-A017-012B25B1ACDD}" type="datetimeFigureOut">
               <a:rPr lang="en-US" smtClean="0"/>
-              <a:t>7/25/20</a:t>
+              <a:t>7/26/20</a:t>
             </a:fld>
             <a:endParaRPr lang="en-US"/>
           </a:p>
@@ -1413,7 +1413,7 @@
           <a:p>
             <a:fld id="{76969C88-B244-455D-A017-012B25B1ACDD}" type="datetimeFigureOut">
               <a:rPr lang="en-US" smtClean="0"/>
-              <a:t>7/25/20</a:t>
+              <a:t>7/26/20</a:t>
             </a:fld>
             <a:endParaRPr lang="en-US"/>
           </a:p>
@@ -1688,7 +1688,7 @@
           <a:p>
             <a:fld id="{76969C88-B244-455D-A017-012B25B1ACDD}" type="datetimeFigureOut">
               <a:rPr lang="en-US" smtClean="0"/>
-              <a:t>7/25/20</a:t>
+              <a:t>7/26/20</a:t>
             </a:fld>
             <a:endParaRPr lang="en-US"/>
           </a:p>
@@ -1953,7 +1953,7 @@
           <a:p>
             <a:fld id="{76969C88-B244-455D-A017-012B25B1ACDD}" type="datetimeFigureOut">
               <a:rPr lang="en-US" smtClean="0"/>
-              <a:t>7/25/20</a:t>
+              <a:t>7/26/20</a:t>
             </a:fld>
             <a:endParaRPr lang="en-US"/>
           </a:p>
@@ -2365,7 +2365,7 @@
           <a:p>
             <a:fld id="{76969C88-B244-455D-A017-012B25B1ACDD}" type="datetimeFigureOut">
               <a:rPr lang="en-US" smtClean="0"/>
-              <a:t>7/25/20</a:t>
+              <a:t>7/26/20</a:t>
             </a:fld>
             <a:endParaRPr lang="en-US"/>
           </a:p>
@@ -2506,7 +2506,7 @@
           <a:p>
             <a:fld id="{76969C88-B244-455D-A017-012B25B1ACDD}" type="datetimeFigureOut">
               <a:rPr lang="en-US" smtClean="0"/>
-              <a:t>7/25/20</a:t>
+              <a:t>7/26/20</a:t>
             </a:fld>
             <a:endParaRPr lang="en-US"/>
           </a:p>
@@ -2619,7 +2619,7 @@
           <a:p>
             <a:fld id="{76969C88-B244-455D-A017-012B25B1ACDD}" type="datetimeFigureOut">
               <a:rPr lang="en-US" smtClean="0"/>
-              <a:t>7/25/20</a:t>
+              <a:t>7/26/20</a:t>
             </a:fld>
             <a:endParaRPr lang="en-US"/>
           </a:p>
@@ -2931,7 +2931,7 @@
           <a:p>
             <a:fld id="{76969C88-B244-455D-A017-012B25B1ACDD}" type="datetimeFigureOut">
               <a:rPr lang="en-US" smtClean="0"/>
-              <a:t>7/25/20</a:t>
+              <a:t>7/26/20</a:t>
             </a:fld>
             <a:endParaRPr lang="en-US"/>
           </a:p>
@@ -3222,7 +3222,7 @@
           <a:p>
             <a:fld id="{76969C88-B244-455D-A017-012B25B1ACDD}" type="datetimeFigureOut">
               <a:rPr lang="en-US" smtClean="0"/>
-              <a:t>7/25/20</a:t>
+              <a:t>7/26/20</a:t>
             </a:fld>
             <a:endParaRPr lang="en-US"/>
           </a:p>
@@ -3978,7 +3978,7 @@
             <a:fld id="{76969C88-B244-455D-A017-012B25B1ACDD}" type="datetimeFigureOut">
               <a:rPr lang="en-US" smtClean="0"/>
               <a:pPr/>
-              <a:t>7/25/20</a:t>
+              <a:t>7/26/20</a:t>
             </a:fld>
             <a:endParaRPr lang="en-US"/>
           </a:p>
@@ -4925,8 +4925,8 @@
         </p:nvSpPr>
         <p:spPr>
           <a:xfrm>
-            <a:off x="762000" y="3801980"/>
-            <a:ext cx="4048126" cy="508764"/>
+            <a:off x="1502707" y="3904711"/>
+            <a:ext cx="2646218" cy="473138"/>
           </a:xfrm>
         </p:spPr>
         <p:txBody>
@@ -4940,42 +4940,6 @@
               <a:rPr kumimoji="1" lang="en-US" altLang="zh-CN" sz="1800" b="1" dirty="0"/>
               <a:t>Presented by Ziyang Lin</a:t>
             </a:r>
-          </a:p>
-        </p:txBody>
-      </p:sp>
-      <p:sp>
-        <p:nvSpPr>
-          <p:cNvPr id="5" name="文本框 4">
-            <a:extLst>
-              <a:ext uri="{FF2B5EF4-FFF2-40B4-BE49-F238E27FC236}">
-                <a16:creationId xmlns:a16="http://schemas.microsoft.com/office/drawing/2014/main" id="{7F2A64B5-4303-6445-9A21-EA599EC47197}"/>
-              </a:ext>
-            </a:extLst>
-          </p:cNvPr>
-          <p:cNvSpPr txBox="1"/>
-          <p:nvPr/>
-        </p:nvSpPr>
-        <p:spPr>
-          <a:xfrm>
-            <a:off x="1169470" y="4416623"/>
-            <a:ext cx="2222083" cy="369332"/>
-          </a:xfrm>
-          <a:prstGeom prst="rect">
-            <a:avLst/>
-          </a:prstGeom>
-          <a:noFill/>
-        </p:spPr>
-        <p:txBody>
-          <a:bodyPr wrap="none" rtlCol="0">
-            <a:spAutoFit/>
-          </a:bodyPr>
-          <a:lstStyle/>
-          <a:p>
-            <a:r>
-              <a:rPr kumimoji="1" lang="en-US" altLang="zh-CN" dirty="0"/>
-              <a:t>Made by Ziyang Lin</a:t>
-            </a:r>
-            <a:endParaRPr kumimoji="1" lang="zh-CN" altLang="en-US" dirty="0"/>
           </a:p>
         </p:txBody>
       </p:sp>
